--- a/3. Predicting Taxi Ride Duration/Slides/3.3.pptx
+++ b/3. Predicting Taxi Ride Duration/Slides/3.3.pptx
@@ -1094,7 +1094,7 @@
             </a:pPr>
             <a:r>
               <a:rPr lang="en-US" dirty="0"/>
-              <a:t>Our neural network is quite simple in comparison to some that are widely used. It has 3 layers, an input layer connected to a fully connected (or dense) layer of 1024 neurons, a 2</a:t>
+              <a:t>Our neural network is quite simple in comparison to some that are widely used. It has 3 layers, an input layer connected to a fully connected (or dense) layer of 8192 neurons, a 2</a:t>
             </a:r>
             <a:r>
               <a:rPr lang="en-US" baseline="30000" dirty="0"/>
@@ -1102,7 +1102,15 @@
             </a:r>
             <a:r>
               <a:rPr lang="en-US" dirty="0"/>
-              <a:t> layer with 128 neurons (again fully connected) and a final output layer.</a:t>
+              <a:t> layer </a:t>
+            </a:r>
+            <a:r>
+              <a:rPr lang="en-US"/>
+              <a:t>with 1024 </a:t>
+            </a:r>
+            <a:r>
+              <a:rPr lang="en-US" dirty="0"/>
+              <a:t>neurons (again fully connected) and a final output layer.</a:t>
             </a:r>
           </a:p>
           <a:p>
@@ -4720,7 +4728,7 @@
             <a:pPr algn="ctr"/>
             <a:r>
               <a:rPr lang="en" sz="4402" dirty="0"/>
-              <a:t>Our CNN</a:t>
+              <a:t>Our Neural Network</a:t>
             </a:r>
           </a:p>
         </p:txBody>
